--- a/graphics/menu/GR Buttons.pptx
+++ b/graphics/menu/GR Buttons.pptx
@@ -288,7 +288,7 @@
           <a:p>
             <a:fld id="{05D284B6-4C1D-4CD4-B26C-628499C0FC3E}" type="datetimeFigureOut">
               <a:rPr lang="en-US" smtClean="0"/>
-              <a:t>5/5/2013</a:t>
+              <a:t>5/7/2013</a:t>
             </a:fld>
             <a:endParaRPr lang="en-US"/>
           </a:p>
@@ -458,7 +458,7 @@
           <a:p>
             <a:fld id="{05D284B6-4C1D-4CD4-B26C-628499C0FC3E}" type="datetimeFigureOut">
               <a:rPr lang="en-US" smtClean="0"/>
-              <a:t>5/5/2013</a:t>
+              <a:t>5/7/2013</a:t>
             </a:fld>
             <a:endParaRPr lang="en-US"/>
           </a:p>
@@ -638,7 +638,7 @@
           <a:p>
             <a:fld id="{05D284B6-4C1D-4CD4-B26C-628499C0FC3E}" type="datetimeFigureOut">
               <a:rPr lang="en-US" smtClean="0"/>
-              <a:t>5/5/2013</a:t>
+              <a:t>5/7/2013</a:t>
             </a:fld>
             <a:endParaRPr lang="en-US"/>
           </a:p>
@@ -808,7 +808,7 @@
           <a:p>
             <a:fld id="{05D284B6-4C1D-4CD4-B26C-628499C0FC3E}" type="datetimeFigureOut">
               <a:rPr lang="en-US" smtClean="0"/>
-              <a:t>5/5/2013</a:t>
+              <a:t>5/7/2013</a:t>
             </a:fld>
             <a:endParaRPr lang="en-US"/>
           </a:p>
@@ -1054,7 +1054,7 @@
           <a:p>
             <a:fld id="{05D284B6-4C1D-4CD4-B26C-628499C0FC3E}" type="datetimeFigureOut">
               <a:rPr lang="en-US" smtClean="0"/>
-              <a:t>5/5/2013</a:t>
+              <a:t>5/7/2013</a:t>
             </a:fld>
             <a:endParaRPr lang="en-US"/>
           </a:p>
@@ -1342,7 +1342,7 @@
           <a:p>
             <a:fld id="{05D284B6-4C1D-4CD4-B26C-628499C0FC3E}" type="datetimeFigureOut">
               <a:rPr lang="en-US" smtClean="0"/>
-              <a:t>5/5/2013</a:t>
+              <a:t>5/7/2013</a:t>
             </a:fld>
             <a:endParaRPr lang="en-US"/>
           </a:p>
@@ -1764,7 +1764,7 @@
           <a:p>
             <a:fld id="{05D284B6-4C1D-4CD4-B26C-628499C0FC3E}" type="datetimeFigureOut">
               <a:rPr lang="en-US" smtClean="0"/>
-              <a:t>5/5/2013</a:t>
+              <a:t>5/7/2013</a:t>
             </a:fld>
             <a:endParaRPr lang="en-US"/>
           </a:p>
@@ -1882,7 +1882,7 @@
           <a:p>
             <a:fld id="{05D284B6-4C1D-4CD4-B26C-628499C0FC3E}" type="datetimeFigureOut">
               <a:rPr lang="en-US" smtClean="0"/>
-              <a:t>5/5/2013</a:t>
+              <a:t>5/7/2013</a:t>
             </a:fld>
             <a:endParaRPr lang="en-US"/>
           </a:p>
@@ -1977,7 +1977,7 @@
           <a:p>
             <a:fld id="{05D284B6-4C1D-4CD4-B26C-628499C0FC3E}" type="datetimeFigureOut">
               <a:rPr lang="en-US" smtClean="0"/>
-              <a:t>5/5/2013</a:t>
+              <a:t>5/7/2013</a:t>
             </a:fld>
             <a:endParaRPr lang="en-US"/>
           </a:p>
@@ -2254,7 +2254,7 @@
           <a:p>
             <a:fld id="{05D284B6-4C1D-4CD4-B26C-628499C0FC3E}" type="datetimeFigureOut">
               <a:rPr lang="en-US" smtClean="0"/>
-              <a:t>5/5/2013</a:t>
+              <a:t>5/7/2013</a:t>
             </a:fld>
             <a:endParaRPr lang="en-US"/>
           </a:p>
@@ -2507,7 +2507,7 @@
           <a:p>
             <a:fld id="{05D284B6-4C1D-4CD4-B26C-628499C0FC3E}" type="datetimeFigureOut">
               <a:rPr lang="en-US" smtClean="0"/>
-              <a:t>5/5/2013</a:t>
+              <a:t>5/7/2013</a:t>
             </a:fld>
             <a:endParaRPr lang="en-US"/>
           </a:p>
@@ -2720,7 +2720,7 @@
           <a:p>
             <a:fld id="{05D284B6-4C1D-4CD4-B26C-628499C0FC3E}" type="datetimeFigureOut">
               <a:rPr lang="en-US" smtClean="0"/>
-              <a:t>5/5/2013</a:t>
+              <a:t>5/7/2013</a:t>
             </a:fld>
             <a:endParaRPr lang="en-US"/>
           </a:p>
@@ -3157,7 +3157,7 @@
                 </a:solidFill>
                 <a:latin typeface="Monotype Corsiva" pitchFamily="66" charset="0"/>
               </a:rPr>
-              <a:t>Start Game!</a:t>
+              <a:t>Quick Start</a:t>
             </a:r>
             <a:endParaRPr lang="en-US" sz="3200" dirty="0">
               <a:solidFill>
@@ -3224,13 +3224,13 @@
           <a:p>
             <a:pPr algn="ctr"/>
             <a:r>
-              <a:rPr lang="en-US" sz="3200" dirty="0" err="1" smtClean="0">
+              <a:rPr lang="en-US" sz="3200" dirty="0" smtClean="0">
                 <a:solidFill>
                   <a:schemeClr val="tx1"/>
                 </a:solidFill>
                 <a:latin typeface="Monotype Corsiva" pitchFamily="66" charset="0"/>
               </a:rPr>
-              <a:t>Singleplayer</a:t>
+              <a:t>Host Server</a:t>
             </a:r>
             <a:endParaRPr lang="en-US" sz="3200" dirty="0">
               <a:solidFill>
@@ -3303,7 +3303,7 @@
                 </a:solidFill>
                 <a:latin typeface="Monotype Corsiva" pitchFamily="66" charset="0"/>
               </a:rPr>
-              <a:t>Options</a:t>
+              <a:t>Quit Game</a:t>
             </a:r>
             <a:endParaRPr lang="en-US" sz="3200" dirty="0">
               <a:solidFill>
@@ -3449,7 +3449,7 @@
                 </a:solidFill>
                 <a:latin typeface="Monotype Corsiva" pitchFamily="66" charset="0"/>
               </a:rPr>
-              <a:t>Multiplayer</a:t>
+              <a:t>Join Server</a:t>
             </a:r>
             <a:endParaRPr lang="en-US" sz="3200" dirty="0">
               <a:solidFill>
@@ -3470,6 +3470,13 @@
   <p:clrMapOvr>
     <a:masterClrMapping/>
   </p:clrMapOvr>
+  <p:timing>
+    <p:tnLst>
+      <p:par>
+        <p:cTn id="1" dur="indefinite" restart="never" nodeType="tmRoot"/>
+      </p:par>
+    </p:tnLst>
+  </p:timing>
 </p:sld>
 </file>
 
